--- a/Movie/(210806)MovieData_rottentomato(이천솔).pptx
+++ b/Movie/(210806)MovieData_rottentomato(이천솔).pptx
@@ -267,7 +267,7 @@
           <a:p>
             <a:fld id="{E1A6B4F0-AEE2-4951-90CC-0A384C121DBD}" type="datetimeFigureOut">
               <a:rPr lang="ko-KR" altLang="en-US" smtClean="0"/>
-              <a:t>2021-08-05</a:t>
+              <a:t>2021-08-06</a:t>
             </a:fld>
             <a:endParaRPr lang="ko-KR" altLang="en-US"/>
           </a:p>
@@ -578,30 +578,6 @@
           <a:bodyPr/>
           <a:lstStyle/>
           <a:p>
-            <a:r>
-              <a:rPr lang="en-US" altLang="ko-KR" sz="1200" b="0" i="0" kern="1200" dirty="0">
-                <a:solidFill>
-                  <a:schemeClr val="tx1"/>
-                </a:solidFill>
-                <a:effectLst/>
-                <a:latin typeface="+mn-lt"/>
-                <a:ea typeface="+mn-ea"/>
-                <a:cs typeface="+mn-cs"/>
-              </a:rPr>
-              <a:t>Translation model : </a:t>
-            </a:r>
-            <a:r>
-              <a:rPr lang="ko-KR" altLang="en-US" sz="1200" b="0" i="0" kern="1200" dirty="0">
-                <a:solidFill>
-                  <a:schemeClr val="tx1"/>
-                </a:solidFill>
-                <a:effectLst/>
-                <a:latin typeface="+mn-lt"/>
-                <a:ea typeface="+mn-ea"/>
-                <a:cs typeface="+mn-cs"/>
-              </a:rPr>
-              <a:t>벡터 연산을 통해 지식 완성을 수행</a:t>
-            </a:r>
             <a:endParaRPr kumimoji="1" lang="ko-Kore-KR" altLang="en-US" dirty="0"/>
           </a:p>
         </p:txBody>
@@ -1613,30 +1589,6 @@
           <a:bodyPr/>
           <a:lstStyle/>
           <a:p>
-            <a:r>
-              <a:rPr lang="en-US" altLang="ko-KR" sz="1200" b="0" i="0" kern="1200" dirty="0">
-                <a:solidFill>
-                  <a:schemeClr val="tx1"/>
-                </a:solidFill>
-                <a:effectLst/>
-                <a:latin typeface="+mn-lt"/>
-                <a:ea typeface="+mn-ea"/>
-                <a:cs typeface="+mn-cs"/>
-              </a:rPr>
-              <a:t>Translation model : </a:t>
-            </a:r>
-            <a:r>
-              <a:rPr lang="ko-KR" altLang="en-US" sz="1200" b="0" i="0" kern="1200" dirty="0">
-                <a:solidFill>
-                  <a:schemeClr val="tx1"/>
-                </a:solidFill>
-                <a:effectLst/>
-                <a:latin typeface="+mn-lt"/>
-                <a:ea typeface="+mn-ea"/>
-                <a:cs typeface="+mn-cs"/>
-              </a:rPr>
-              <a:t>벡터 연산을 통해 지식 완성을 수행</a:t>
-            </a:r>
             <a:endParaRPr kumimoji="1" lang="ko-Kore-KR" altLang="en-US" dirty="0"/>
           </a:p>
         </p:txBody>
@@ -2565,7 +2517,7 @@
           <a:p>
             <a:fld id="{EBBBFF2D-8249-458D-9364-073002D4312C}" type="datetimeFigureOut">
               <a:rPr lang="ko-KR" altLang="en-US" smtClean="0"/>
-              <a:t>2021-08-05</a:t>
+              <a:t>2021-08-06</a:t>
             </a:fld>
             <a:endParaRPr lang="ko-KR" altLang="en-US"/>
           </a:p>
@@ -2710,7 +2662,7 @@
           <a:p>
             <a:fld id="{EBBBFF2D-8249-458D-9364-073002D4312C}" type="datetimeFigureOut">
               <a:rPr lang="ko-KR" altLang="en-US" smtClean="0"/>
-              <a:t>2021-08-05</a:t>
+              <a:t>2021-08-06</a:t>
             </a:fld>
             <a:endParaRPr lang="ko-KR" altLang="en-US"/>
           </a:p>
@@ -2865,7 +2817,7 @@
           <a:p>
             <a:fld id="{EBBBFF2D-8249-458D-9364-073002D4312C}" type="datetimeFigureOut">
               <a:rPr lang="ko-KR" altLang="en-US" smtClean="0"/>
-              <a:t>2021-08-05</a:t>
+              <a:t>2021-08-06</a:t>
             </a:fld>
             <a:endParaRPr lang="ko-KR" altLang="en-US"/>
           </a:p>
@@ -3050,7 +3002,7 @@
           <a:p>
             <a:fld id="{7C447AE5-4366-4128-A7A5-38C8B0345485}" type="datetimeFigureOut">
               <a:rPr lang="ko-KR" altLang="en-US" smtClean="0"/>
-              <a:t>2021-08-05</a:t>
+              <a:t>2021-08-06</a:t>
             </a:fld>
             <a:endParaRPr lang="ko-KR" altLang="en-US"/>
           </a:p>
@@ -3248,7 +3200,7 @@
           <a:p>
             <a:fld id="{7C447AE5-4366-4128-A7A5-38C8B0345485}" type="datetimeFigureOut">
               <a:rPr lang="ko-KR" altLang="en-US" smtClean="0"/>
-              <a:t>2021-08-05</a:t>
+              <a:t>2021-08-06</a:t>
             </a:fld>
             <a:endParaRPr lang="ko-KR" altLang="en-US"/>
           </a:p>
@@ -3523,7 +3475,7 @@
           <a:p>
             <a:fld id="{7C447AE5-4366-4128-A7A5-38C8B0345485}" type="datetimeFigureOut">
               <a:rPr lang="ko-KR" altLang="en-US" smtClean="0"/>
-              <a:t>2021-08-05</a:t>
+              <a:t>2021-08-06</a:t>
             </a:fld>
             <a:endParaRPr lang="ko-KR" altLang="en-US"/>
           </a:p>
@@ -3788,7 +3740,7 @@
           <a:p>
             <a:fld id="{7C447AE5-4366-4128-A7A5-38C8B0345485}" type="datetimeFigureOut">
               <a:rPr lang="ko-KR" altLang="en-US" smtClean="0"/>
-              <a:t>2021-08-05</a:t>
+              <a:t>2021-08-06</a:t>
             </a:fld>
             <a:endParaRPr lang="ko-KR" altLang="en-US"/>
           </a:p>
@@ -4200,7 +4152,7 @@
           <a:p>
             <a:fld id="{7C447AE5-4366-4128-A7A5-38C8B0345485}" type="datetimeFigureOut">
               <a:rPr lang="ko-KR" altLang="en-US" smtClean="0"/>
-              <a:t>2021-08-05</a:t>
+              <a:t>2021-08-06</a:t>
             </a:fld>
             <a:endParaRPr lang="ko-KR" altLang="en-US"/>
           </a:p>
@@ -4341,7 +4293,7 @@
           <a:p>
             <a:fld id="{7C447AE5-4366-4128-A7A5-38C8B0345485}" type="datetimeFigureOut">
               <a:rPr lang="ko-KR" altLang="en-US" smtClean="0"/>
-              <a:t>2021-08-05</a:t>
+              <a:t>2021-08-06</a:t>
             </a:fld>
             <a:endParaRPr lang="ko-KR" altLang="en-US"/>
           </a:p>
@@ -4454,7 +4406,7 @@
           <a:p>
             <a:fld id="{7C447AE5-4366-4128-A7A5-38C8B0345485}" type="datetimeFigureOut">
               <a:rPr lang="ko-KR" altLang="en-US" smtClean="0"/>
-              <a:t>2021-08-05</a:t>
+              <a:t>2021-08-06</a:t>
             </a:fld>
             <a:endParaRPr lang="ko-KR" altLang="en-US"/>
           </a:p>
@@ -4765,7 +4717,7 @@
           <a:p>
             <a:fld id="{7C447AE5-4366-4128-A7A5-38C8B0345485}" type="datetimeFigureOut">
               <a:rPr lang="ko-KR" altLang="en-US" smtClean="0"/>
-              <a:t>2021-08-05</a:t>
+              <a:t>2021-08-06</a:t>
             </a:fld>
             <a:endParaRPr lang="ko-KR" altLang="en-US"/>
           </a:p>
@@ -4945,7 +4897,7 @@
           <a:p>
             <a:fld id="{EBBBFF2D-8249-458D-9364-073002D4312C}" type="datetimeFigureOut">
               <a:rPr lang="ko-KR" altLang="en-US" smtClean="0"/>
-              <a:t>2021-08-05</a:t>
+              <a:t>2021-08-06</a:t>
             </a:fld>
             <a:endParaRPr lang="ko-KR" altLang="en-US"/>
           </a:p>
@@ -5198,7 +5150,7 @@
           <a:p>
             <a:fld id="{7C447AE5-4366-4128-A7A5-38C8B0345485}" type="datetimeFigureOut">
               <a:rPr lang="ko-KR" altLang="en-US" smtClean="0"/>
-              <a:t>2021-08-05</a:t>
+              <a:t>2021-08-06</a:t>
             </a:fld>
             <a:endParaRPr lang="ko-KR" altLang="en-US"/>
           </a:p>
@@ -5396,7 +5348,7 @@
           <a:p>
             <a:fld id="{7C447AE5-4366-4128-A7A5-38C8B0345485}" type="datetimeFigureOut">
               <a:rPr lang="ko-KR" altLang="en-US" smtClean="0"/>
-              <a:t>2021-08-05</a:t>
+              <a:t>2021-08-06</a:t>
             </a:fld>
             <a:endParaRPr lang="ko-KR" altLang="en-US"/>
           </a:p>
@@ -5604,7 +5556,7 @@
           <a:p>
             <a:fld id="{7C447AE5-4366-4128-A7A5-38C8B0345485}" type="datetimeFigureOut">
               <a:rPr lang="ko-KR" altLang="en-US" smtClean="0"/>
-              <a:t>2021-08-05</a:t>
+              <a:t>2021-08-06</a:t>
             </a:fld>
             <a:endParaRPr lang="ko-KR" altLang="en-US"/>
           </a:p>
@@ -5861,7 +5813,7 @@
           <a:p>
             <a:fld id="{EBBBFF2D-8249-458D-9364-073002D4312C}" type="datetimeFigureOut">
               <a:rPr lang="ko-KR" altLang="en-US" smtClean="0"/>
-              <a:t>2021-08-05</a:t>
+              <a:t>2021-08-06</a:t>
             </a:fld>
             <a:endParaRPr lang="ko-KR" altLang="en-US"/>
           </a:p>
@@ -6067,7 +6019,7 @@
           <a:p>
             <a:fld id="{EBBBFF2D-8249-458D-9364-073002D4312C}" type="datetimeFigureOut">
               <a:rPr lang="ko-KR" altLang="en-US" smtClean="0"/>
-              <a:t>2021-08-05</a:t>
+              <a:t>2021-08-06</a:t>
             </a:fld>
             <a:endParaRPr lang="ko-KR" altLang="en-US"/>
           </a:p>
@@ -6408,7 +6360,7 @@
           <a:p>
             <a:fld id="{EBBBFF2D-8249-458D-9364-073002D4312C}" type="datetimeFigureOut">
               <a:rPr lang="ko-KR" altLang="en-US" smtClean="0"/>
-              <a:t>2021-08-05</a:t>
+              <a:t>2021-08-06</a:t>
             </a:fld>
             <a:endParaRPr lang="ko-KR" altLang="en-US"/>
           </a:p>
@@ -6502,7 +6454,7 @@
           <a:p>
             <a:fld id="{EBBBFF2D-8249-458D-9364-073002D4312C}" type="datetimeFigureOut">
               <a:rPr lang="ko-KR" altLang="en-US" smtClean="0"/>
-              <a:t>2021-08-05</a:t>
+              <a:t>2021-08-06</a:t>
             </a:fld>
             <a:endParaRPr lang="ko-KR" altLang="en-US"/>
           </a:p>
@@ -6574,7 +6526,7 @@
           <a:p>
             <a:fld id="{EBBBFF2D-8249-458D-9364-073002D4312C}" type="datetimeFigureOut">
               <a:rPr lang="ko-KR" altLang="en-US" smtClean="0"/>
-              <a:t>2021-08-05</a:t>
+              <a:t>2021-08-06</a:t>
             </a:fld>
             <a:endParaRPr lang="ko-KR" altLang="en-US"/>
           </a:p>
@@ -6826,7 +6778,7 @@
           <a:p>
             <a:fld id="{EBBBFF2D-8249-458D-9364-073002D4312C}" type="datetimeFigureOut">
               <a:rPr lang="ko-KR" altLang="en-US" smtClean="0"/>
-              <a:t>2021-08-05</a:t>
+              <a:t>2021-08-06</a:t>
             </a:fld>
             <a:endParaRPr lang="ko-KR" altLang="en-US"/>
           </a:p>
@@ -7055,7 +7007,7 @@
           <a:p>
             <a:fld id="{EBBBFF2D-8249-458D-9364-073002D4312C}" type="datetimeFigureOut">
               <a:rPr lang="ko-KR" altLang="en-US" smtClean="0"/>
-              <a:t>2021-08-05</a:t>
+              <a:t>2021-08-06</a:t>
             </a:fld>
             <a:endParaRPr lang="ko-KR" altLang="en-US"/>
           </a:p>
@@ -7243,7 +7195,7 @@
           <a:p>
             <a:fld id="{EBBBFF2D-8249-458D-9364-073002D4312C}" type="datetimeFigureOut">
               <a:rPr lang="ko-KR" altLang="en-US" smtClean="0"/>
-              <a:t>2021-08-05</a:t>
+              <a:t>2021-08-06</a:t>
             </a:fld>
             <a:endParaRPr lang="ko-KR" altLang="en-US"/>
           </a:p>
@@ -7952,7 +7904,7 @@
           <a:p>
             <a:fld id="{7C447AE5-4366-4128-A7A5-38C8B0345485}" type="datetimeFigureOut">
               <a:rPr lang="ko-KR" altLang="en-US" smtClean="0"/>
-              <a:t>2021-08-05</a:t>
+              <a:t>2021-08-06</a:t>
             </a:fld>
             <a:endParaRPr lang="ko-KR" altLang="en-US"/>
           </a:p>
@@ -21959,7 +21911,17 @@
                 <a:latin typeface="나눔스퀘어 Bold" panose="020B0600000101010101" pitchFamily="50" charset="-127"/>
                 <a:ea typeface="나눔스퀘어 Bold" panose="020B0600000101010101" pitchFamily="50" charset="-127"/>
               </a:rPr>
-              <a:t>, Frances Conroy</a:t>
+              <a:t>, </a:t>
+            </a:r>
+            <a:r>
+              <a:rPr lang="en-US" altLang="ko-KR" sz="1400" dirty="0">
+                <a:solidFill>
+                  <a:srgbClr val="0000FF"/>
+                </a:solidFill>
+                <a:latin typeface="나눔스퀘어 Bold" panose="020B0600000101010101" pitchFamily="50" charset="-127"/>
+                <a:ea typeface="나눔스퀘어 Bold" panose="020B0600000101010101" pitchFamily="50" charset="-127"/>
+              </a:rPr>
+              <a:t>Frances Conroy</a:t>
             </a:r>
           </a:p>
           <a:p>
